--- a/CS4273-Introduce to Software Engineering/Slides/Lab 1. Setup workspace.pptx
+++ b/CS4273-Introduce to Software Engineering/Slides/Lab 1. Setup workspace.pptx
@@ -206,7 +206,7 @@
           <a:p>
             <a:fld id="{B913A67E-827E-40BA-9851-F844FC96A7C1}" type="datetimeFigureOut">
               <a:rPr lang="vi-VN" smtClean="0"/>
-              <a:t>16/11/2021</a:t>
+              <a:t>20/09/2022</a:t>
             </a:fld>
             <a:endParaRPr lang="vi-VN"/>
           </a:p>
@@ -620,7 +620,7 @@
           <a:p>
             <a:fld id="{7CD56ACD-87BF-4DA0-89BC-56DBA0C154F0}" type="datetime1">
               <a:rPr lang="vi-VN" smtClean="0"/>
-              <a:t>16/11/2021</a:t>
+              <a:t>20/09/2022</a:t>
             </a:fld>
             <a:endParaRPr lang="vi-VN"/>
           </a:p>
@@ -818,7 +818,7 @@
           <a:p>
             <a:fld id="{C7EBD68F-1981-4500-9A36-189AEF0C73BA}" type="datetime1">
               <a:rPr lang="vi-VN" smtClean="0"/>
-              <a:t>16/11/2021</a:t>
+              <a:t>20/09/2022</a:t>
             </a:fld>
             <a:endParaRPr lang="vi-VN"/>
           </a:p>
@@ -1026,7 +1026,7 @@
           <a:p>
             <a:fld id="{06B6D85F-2712-473F-9529-0261ADC6F9A8}" type="datetime1">
               <a:rPr lang="vi-VN" smtClean="0"/>
-              <a:t>16/11/2021</a:t>
+              <a:t>20/09/2022</a:t>
             </a:fld>
             <a:endParaRPr lang="vi-VN"/>
           </a:p>
@@ -1224,7 +1224,7 @@
           <a:p>
             <a:fld id="{B88AB8FE-ED6C-40A5-BC87-FF6B28DA066D}" type="datetime1">
               <a:rPr lang="vi-VN" smtClean="0"/>
-              <a:t>16/11/2021</a:t>
+              <a:t>20/09/2022</a:t>
             </a:fld>
             <a:endParaRPr lang="vi-VN"/>
           </a:p>
@@ -1499,7 +1499,7 @@
           <a:p>
             <a:fld id="{E0CD9A4A-5460-44BE-8113-59F10A908959}" type="datetime1">
               <a:rPr lang="vi-VN" smtClean="0"/>
-              <a:t>16/11/2021</a:t>
+              <a:t>20/09/2022</a:t>
             </a:fld>
             <a:endParaRPr lang="vi-VN"/>
           </a:p>
@@ -1764,7 +1764,7 @@
           <a:p>
             <a:fld id="{F80BAD44-36FE-4DE5-A8F9-0DB835EFDFBE}" type="datetime1">
               <a:rPr lang="vi-VN" smtClean="0"/>
-              <a:t>16/11/2021</a:t>
+              <a:t>20/09/2022</a:t>
             </a:fld>
             <a:endParaRPr lang="vi-VN"/>
           </a:p>
@@ -2176,7 +2176,7 @@
           <a:p>
             <a:fld id="{4BF9356D-58A9-4F30-A802-DE395038EE73}" type="datetime1">
               <a:rPr lang="vi-VN" smtClean="0"/>
-              <a:t>16/11/2021</a:t>
+              <a:t>20/09/2022</a:t>
             </a:fld>
             <a:endParaRPr lang="vi-VN"/>
           </a:p>
@@ -2317,7 +2317,7 @@
           <a:p>
             <a:fld id="{DA1DDBBD-61D3-4599-8342-6BB7382DA8C9}" type="datetime1">
               <a:rPr lang="vi-VN" smtClean="0"/>
-              <a:t>16/11/2021</a:t>
+              <a:t>20/09/2022</a:t>
             </a:fld>
             <a:endParaRPr lang="vi-VN"/>
           </a:p>
@@ -2430,7 +2430,7 @@
           <a:p>
             <a:fld id="{D4E0A9FF-02CD-4D95-A873-8ACC6DF4C7A9}" type="datetime1">
               <a:rPr lang="vi-VN" smtClean="0"/>
-              <a:t>16/11/2021</a:t>
+              <a:t>20/09/2022</a:t>
             </a:fld>
             <a:endParaRPr lang="vi-VN"/>
           </a:p>
@@ -2741,7 +2741,7 @@
           <a:p>
             <a:fld id="{9D41F2FF-B00D-4650-95C9-A8F4C906F5D1}" type="datetime1">
               <a:rPr lang="vi-VN" smtClean="0"/>
-              <a:t>16/11/2021</a:t>
+              <a:t>20/09/2022</a:t>
             </a:fld>
             <a:endParaRPr lang="vi-VN"/>
           </a:p>
@@ -3029,7 +3029,7 @@
           <a:p>
             <a:fld id="{3AD75733-2893-457B-9D38-1989EED27481}" type="datetime1">
               <a:rPr lang="vi-VN" smtClean="0"/>
-              <a:t>16/11/2021</a:t>
+              <a:t>20/09/2022</a:t>
             </a:fld>
             <a:endParaRPr lang="vi-VN"/>
           </a:p>
@@ -3270,7 +3270,7 @@
           <a:p>
             <a:fld id="{774B13C1-10BB-48A6-944D-9A3DA2D35844}" type="datetime1">
               <a:rPr lang="vi-VN" smtClean="0"/>
-              <a:t>16/11/2021</a:t>
+              <a:t>20/09/2022</a:t>
             </a:fld>
             <a:endParaRPr lang="vi-VN"/>
           </a:p>
@@ -8511,7 +8511,7 @@
               <a:rPr lang="en-US">
                 <a:hlinkClick r:id="rId2"/>
               </a:rPr>
-              <a:t>https://github.com/vutuanhai237/Sample-Project-CS4273</a:t>
+              <a:t>https://github.com/vutuanhai237/SampleProjectCS4273</a:t>
             </a:r>
             <a:endParaRPr lang="en-US"/>
           </a:p>
@@ -8685,7 +8685,7 @@
             </a:pPr>
             <a:r>
               <a:rPr lang="en-US"/>
-              <a:t>Update environment (Github repository link) in Files/Group Information.</a:t>
+              <a:t>Update environment (Github repository link) in Project information.</a:t>
             </a:r>
           </a:p>
           <a:p>
